--- a/testbed_ISSM/flatMISMIP_testbeds/plots/gcp_ht_together.pptx
+++ b/testbed_ISSM/flatMISMIP_testbeds/plots/gcp_ht_together.pptx
@@ -199,7 +199,7 @@
           <a:p>
             <a:fld id="{E2C05BEA-DCB8-7A4D-BB9E-B3CF28F51B8A}" type="datetimeFigureOut">
               <a:rPr lang="en-US" smtClean="0"/>
-              <a:t>3/1/23</a:t>
+              <a:t>3/5/23</a:t>
             </a:fld>
             <a:endParaRPr lang="en-US"/>
           </a:p>
@@ -1546,7 +1546,7 @@
           <a:p>
             <a:fld id="{6C700BDE-908E-734B-9887-2C947E46ED8E}" type="datetimeFigureOut">
               <a:rPr lang="en-US" smtClean="0"/>
-              <a:t>3/1/23</a:t>
+              <a:t>3/5/23</a:t>
             </a:fld>
             <a:endParaRPr lang="en-US"/>
           </a:p>
@@ -1744,7 +1744,7 @@
           <a:p>
             <a:fld id="{6C700BDE-908E-734B-9887-2C947E46ED8E}" type="datetimeFigureOut">
               <a:rPr lang="en-US" smtClean="0"/>
-              <a:t>3/1/23</a:t>
+              <a:t>3/5/23</a:t>
             </a:fld>
             <a:endParaRPr lang="en-US"/>
           </a:p>
@@ -1952,7 +1952,7 @@
           <a:p>
             <a:fld id="{6C700BDE-908E-734B-9887-2C947E46ED8E}" type="datetimeFigureOut">
               <a:rPr lang="en-US" smtClean="0"/>
-              <a:t>3/1/23</a:t>
+              <a:t>3/5/23</a:t>
             </a:fld>
             <a:endParaRPr lang="en-US"/>
           </a:p>
@@ -2150,7 +2150,7 @@
           <a:p>
             <a:fld id="{6C700BDE-908E-734B-9887-2C947E46ED8E}" type="datetimeFigureOut">
               <a:rPr lang="en-US" smtClean="0"/>
-              <a:t>3/1/23</a:t>
+              <a:t>3/5/23</a:t>
             </a:fld>
             <a:endParaRPr lang="en-US"/>
           </a:p>
@@ -2425,7 +2425,7 @@
           <a:p>
             <a:fld id="{6C700BDE-908E-734B-9887-2C947E46ED8E}" type="datetimeFigureOut">
               <a:rPr lang="en-US" smtClean="0"/>
-              <a:t>3/1/23</a:t>
+              <a:t>3/5/23</a:t>
             </a:fld>
             <a:endParaRPr lang="en-US"/>
           </a:p>
@@ -2690,7 +2690,7 @@
           <a:p>
             <a:fld id="{6C700BDE-908E-734B-9887-2C947E46ED8E}" type="datetimeFigureOut">
               <a:rPr lang="en-US" smtClean="0"/>
-              <a:t>3/1/23</a:t>
+              <a:t>3/5/23</a:t>
             </a:fld>
             <a:endParaRPr lang="en-US"/>
           </a:p>
@@ -3102,7 +3102,7 @@
           <a:p>
             <a:fld id="{6C700BDE-908E-734B-9887-2C947E46ED8E}" type="datetimeFigureOut">
               <a:rPr lang="en-US" smtClean="0"/>
-              <a:t>3/1/23</a:t>
+              <a:t>3/5/23</a:t>
             </a:fld>
             <a:endParaRPr lang="en-US"/>
           </a:p>
@@ -3243,7 +3243,7 @@
           <a:p>
             <a:fld id="{6C700BDE-908E-734B-9887-2C947E46ED8E}" type="datetimeFigureOut">
               <a:rPr lang="en-US" smtClean="0"/>
-              <a:t>3/1/23</a:t>
+              <a:t>3/5/23</a:t>
             </a:fld>
             <a:endParaRPr lang="en-US"/>
           </a:p>
@@ -3356,7 +3356,7 @@
           <a:p>
             <a:fld id="{6C700BDE-908E-734B-9887-2C947E46ED8E}" type="datetimeFigureOut">
               <a:rPr lang="en-US" smtClean="0"/>
-              <a:t>3/1/23</a:t>
+              <a:t>3/5/23</a:t>
             </a:fld>
             <a:endParaRPr lang="en-US"/>
           </a:p>
@@ -3667,7 +3667,7 @@
           <a:p>
             <a:fld id="{6C700BDE-908E-734B-9887-2C947E46ED8E}" type="datetimeFigureOut">
               <a:rPr lang="en-US" smtClean="0"/>
-              <a:t>3/1/23</a:t>
+              <a:t>3/5/23</a:t>
             </a:fld>
             <a:endParaRPr lang="en-US"/>
           </a:p>
@@ -3955,7 +3955,7 @@
           <a:p>
             <a:fld id="{6C700BDE-908E-734B-9887-2C947E46ED8E}" type="datetimeFigureOut">
               <a:rPr lang="en-US" smtClean="0"/>
-              <a:t>3/1/23</a:t>
+              <a:t>3/5/23</a:t>
             </a:fld>
             <a:endParaRPr lang="en-US"/>
           </a:p>
@@ -4196,7 +4196,7 @@
           <a:p>
             <a:fld id="{6C700BDE-908E-734B-9887-2C947E46ED8E}" type="datetimeFigureOut">
               <a:rPr lang="en-US" smtClean="0"/>
-              <a:t>3/1/23</a:t>
+              <a:t>3/5/23</a:t>
             </a:fld>
             <a:endParaRPr lang="en-US"/>
           </a:p>
@@ -4815,8 +4815,8 @@
         </p:blipFill>
         <p:spPr>
           <a:xfrm>
-            <a:off x="2857243" y="661939"/>
-            <a:ext cx="2734936" cy="3929063"/>
+            <a:off x="3047511" y="1099261"/>
+            <a:ext cx="3050238" cy="4382032"/>
           </a:xfrm>
           <a:prstGeom prst="rect">
             <a:avLst/>
@@ -4845,8 +4845,8 @@
         </p:blipFill>
         <p:spPr>
           <a:xfrm>
-            <a:off x="313066" y="661940"/>
-            <a:ext cx="2734936" cy="3929063"/>
+            <a:off x="250303" y="1099262"/>
+            <a:ext cx="3050238" cy="4382032"/>
           </a:xfrm>
           <a:prstGeom prst="rect">
             <a:avLst/>
@@ -4875,8 +4875,8 @@
         </p:blipFill>
         <p:spPr>
           <a:xfrm>
-            <a:off x="8532162" y="661939"/>
-            <a:ext cx="2734936" cy="3929063"/>
+            <a:off x="9023981" y="1099261"/>
+            <a:ext cx="3050238" cy="4382032"/>
           </a:xfrm>
           <a:prstGeom prst="rect">
             <a:avLst/>
@@ -4905,8 +4905,8 @@
         </p:blipFill>
         <p:spPr>
           <a:xfrm>
-            <a:off x="5987985" y="661940"/>
-            <a:ext cx="2734936" cy="3929063"/>
+            <a:off x="6226773" y="1099262"/>
+            <a:ext cx="3050238" cy="4382032"/>
           </a:xfrm>
           <a:prstGeom prst="rect">
             <a:avLst/>
